--- a/lectures/MonteCarloMethods.pptx
+++ b/lectures/MonteCarloMethods.pptx
@@ -8587,13 +8587,8 @@
               <a:p>
                 <a:r>
                   <a:rPr lang="en-US" dirty="0"/>
-                  <a:t>If the exact proposal function </a:t>
+                  <a:t>If the exact proposal function is available for number draws</a:t>
                 </a:r>
-                <a:r>
-                  <a:rPr lang="en-US"/>
-                  <a:t>is available for number draws</a:t>
-                </a:r>
-                <a:endParaRPr lang="en-US" dirty="0"/>
               </a:p>
               <a:p>
                 <a:r>
@@ -9608,8 +9603,8 @@
           </a:p>
         </p:txBody>
       </p:sp>
-      <mc:AlternateContent xmlns:mc="http://schemas.openxmlformats.org/markup-compatibility/2006" xmlns:a14="http://schemas.microsoft.com/office/drawing/2010/main">
-        <mc:Choice Requires="a14">
+      <mc:AlternateContent xmlns:mc="http://schemas.openxmlformats.org/markup-compatibility/2006">
+        <mc:Choice xmlns:a14="http://schemas.microsoft.com/office/drawing/2010/main" Requires="a14">
           <p:sp>
             <p:nvSpPr>
               <p:cNvPr id="3" name="Content Placeholder 2">
@@ -9646,8 +9641,13 @@
               <a:p>
                 <a:r>
                   <a:rPr lang="en-US" sz="2400" dirty="0"/>
-                  <a:t>Goal is to reduce variance in Monte Carlo integrations</a:t>
+                  <a:t>Goal is to reduce variance in Monte Carlo integrations and </a:t>
                 </a:r>
+                <a:r>
+                  <a:rPr lang="en-US" sz="2400"/>
+                  <a:t>increase efficiency</a:t>
+                </a:r>
+                <a:endParaRPr lang="en-US" sz="2400" dirty="0"/>
               </a:p>
               <a:p>
                 <a:r>
@@ -9974,7 +9974,7 @@
             </p:txBody>
           </p:sp>
         </mc:Choice>
-        <mc:Fallback xmlns="">
+        <mc:Fallback>
           <p:sp>
             <p:nvSpPr>
               <p:cNvPr id="3" name="Content Placeholder 2">
